--- a/trunk/SSE3/SSE3ExamQuestions/SSE3Question1.pptx
+++ b/trunk/SSE3/SSE3ExamQuestions/SSE3Question1.pptx
@@ -201,7 +201,7 @@
             <a:fld id="{0C93899B-6957-4870-BB1B-04CA99CBE5B5}" type="datetimeFigureOut">
               <a:rPr lang="da-DK" smtClean="0"/>
               <a:pPr/>
-              <a:t>27-05-2010</a:t>
+              <a:t>02-06-2010</a:t>
             </a:fld>
             <a:endParaRPr lang="da-DK" dirty="0"/>
           </a:p>
@@ -733,20 +733,20 @@
               <a:t>has benefits such as leveraging core business competencies, accelerating </a:t>
             </a:r>
             <a:r>
-              <a:rPr lang="en-US" sz="800" baseline="0" noProof="0" dirty="0" err="1" smtClean="0"/>
-              <a:t>inovation</a:t>
-            </a:r>
-            <a:r>
               <a:rPr lang="en-US" sz="800" baseline="0" noProof="0" dirty="0" smtClean="0"/>
-              <a:t> and time to market, improving cycle times and decision making, strengthening organizational commitment and building sustainable </a:t>
-            </a:r>
-            <a:r>
-              <a:rPr lang="en-US" sz="800" baseline="0" noProof="0" dirty="0" err="1" smtClean="0"/>
-              <a:t>competive</a:t>
+              <a:t>innovation </a:t>
             </a:r>
             <a:r>
               <a:rPr lang="en-US" sz="800" baseline="0" noProof="0" dirty="0" smtClean="0"/>
-              <a:t> advantage. Organizations are valued for their intellectual capital.</a:t>
+              <a:t>and time to market, improving cycle times and decision making, strengthening organizational commitment and building sustainable </a:t>
+            </a:r>
+            <a:r>
+              <a:rPr lang="en-US" sz="800" baseline="0" noProof="0" dirty="0" smtClean="0"/>
+              <a:t>competitive </a:t>
+            </a:r>
+            <a:r>
+              <a:rPr lang="en-US" sz="800" baseline="0" noProof="0" dirty="0" smtClean="0"/>
+              <a:t>advantage. Organizations are valued for their intellectual capital.</a:t>
             </a:r>
           </a:p>
           <a:p>
@@ -2342,7 +2342,7 @@
             <a:fld id="{0932F339-C7DF-4885-A478-55F50CAA6177}" type="datetimeFigureOut">
               <a:rPr lang="da-DK" smtClean="0"/>
               <a:pPr/>
-              <a:t>27-05-2010</a:t>
+              <a:t>02-06-2010</a:t>
             </a:fld>
             <a:endParaRPr lang="da-DK" dirty="0"/>
           </a:p>
@@ -2509,7 +2509,7 @@
             <a:fld id="{0932F339-C7DF-4885-A478-55F50CAA6177}" type="datetimeFigureOut">
               <a:rPr lang="da-DK" smtClean="0"/>
               <a:pPr/>
-              <a:t>27-05-2010</a:t>
+              <a:t>02-06-2010</a:t>
             </a:fld>
             <a:endParaRPr lang="da-DK" dirty="0"/>
           </a:p>
@@ -2686,7 +2686,7 @@
             <a:fld id="{0932F339-C7DF-4885-A478-55F50CAA6177}" type="datetimeFigureOut">
               <a:rPr lang="da-DK" smtClean="0"/>
               <a:pPr/>
-              <a:t>27-05-2010</a:t>
+              <a:t>02-06-2010</a:t>
             </a:fld>
             <a:endParaRPr lang="da-DK" dirty="0"/>
           </a:p>
@@ -2853,7 +2853,7 @@
             <a:fld id="{0932F339-C7DF-4885-A478-55F50CAA6177}" type="datetimeFigureOut">
               <a:rPr lang="da-DK" smtClean="0"/>
               <a:pPr/>
-              <a:t>27-05-2010</a:t>
+              <a:t>02-06-2010</a:t>
             </a:fld>
             <a:endParaRPr lang="da-DK" dirty="0"/>
           </a:p>
@@ -3096,7 +3096,7 @@
             <a:fld id="{0932F339-C7DF-4885-A478-55F50CAA6177}" type="datetimeFigureOut">
               <a:rPr lang="da-DK" smtClean="0"/>
               <a:pPr/>
-              <a:t>27-05-2010</a:t>
+              <a:t>02-06-2010</a:t>
             </a:fld>
             <a:endParaRPr lang="da-DK" dirty="0"/>
           </a:p>
@@ -3381,7 +3381,7 @@
             <a:fld id="{0932F339-C7DF-4885-A478-55F50CAA6177}" type="datetimeFigureOut">
               <a:rPr lang="da-DK" smtClean="0"/>
               <a:pPr/>
-              <a:t>27-05-2010</a:t>
+              <a:t>02-06-2010</a:t>
             </a:fld>
             <a:endParaRPr lang="da-DK" dirty="0"/>
           </a:p>
@@ -3800,7 +3800,7 @@
             <a:fld id="{0932F339-C7DF-4885-A478-55F50CAA6177}" type="datetimeFigureOut">
               <a:rPr lang="da-DK" smtClean="0"/>
               <a:pPr/>
-              <a:t>27-05-2010</a:t>
+              <a:t>02-06-2010</a:t>
             </a:fld>
             <a:endParaRPr lang="da-DK" dirty="0"/>
           </a:p>
@@ -3915,7 +3915,7 @@
             <a:fld id="{0932F339-C7DF-4885-A478-55F50CAA6177}" type="datetimeFigureOut">
               <a:rPr lang="da-DK" smtClean="0"/>
               <a:pPr/>
-              <a:t>27-05-2010</a:t>
+              <a:t>02-06-2010</a:t>
             </a:fld>
             <a:endParaRPr lang="da-DK" dirty="0"/>
           </a:p>
@@ -4007,7 +4007,7 @@
             <a:fld id="{0932F339-C7DF-4885-A478-55F50CAA6177}" type="datetimeFigureOut">
               <a:rPr lang="da-DK" smtClean="0"/>
               <a:pPr/>
-              <a:t>27-05-2010</a:t>
+              <a:t>02-06-2010</a:t>
             </a:fld>
             <a:endParaRPr lang="da-DK" dirty="0"/>
           </a:p>
@@ -4281,7 +4281,7 @@
             <a:fld id="{0932F339-C7DF-4885-A478-55F50CAA6177}" type="datetimeFigureOut">
               <a:rPr lang="da-DK" smtClean="0"/>
               <a:pPr/>
-              <a:t>27-05-2010</a:t>
+              <a:t>02-06-2010</a:t>
             </a:fld>
             <a:endParaRPr lang="da-DK" dirty="0"/>
           </a:p>
@@ -4531,7 +4531,7 @@
             <a:fld id="{0932F339-C7DF-4885-A478-55F50CAA6177}" type="datetimeFigureOut">
               <a:rPr lang="da-DK" smtClean="0"/>
               <a:pPr/>
-              <a:t>27-05-2010</a:t>
+              <a:t>02-06-2010</a:t>
             </a:fld>
             <a:endParaRPr lang="da-DK" dirty="0"/>
           </a:p>
@@ -4741,7 +4741,7 @@
             <a:fld id="{0932F339-C7DF-4885-A478-55F50CAA6177}" type="datetimeFigureOut">
               <a:rPr lang="da-DK" smtClean="0"/>
               <a:pPr/>
-              <a:t>27-05-2010</a:t>
+              <a:t>02-06-2010</a:t>
             </a:fld>
             <a:endParaRPr lang="da-DK" dirty="0"/>
           </a:p>
@@ -5156,15 +5156,7 @@
             </a:r>
             <a:r>
               <a:rPr lang="en-US" smtClean="0"/>
-              <a:t>Knowledge </a:t>
-            </a:r>
-            <a:r>
-              <a:rPr lang="en-US" smtClean="0"/>
-              <a:t>M</a:t>
-            </a:r>
-            <a:r>
-              <a:rPr lang="en-US" smtClean="0"/>
-              <a:t>anagement Concepts</a:t>
+              <a:t>Knowledge Management Concepts</a:t>
             </a:r>
             <a:endParaRPr lang="en-US" dirty="0"/>
           </a:p>
@@ -5890,15 +5882,7 @@
           <a:p>
             <a:r>
               <a:rPr lang="en-US" dirty="0" smtClean="0"/>
-              <a:t>Tools for </a:t>
-            </a:r>
-            <a:r>
-              <a:rPr lang="en-US" dirty="0" smtClean="0"/>
-              <a:t>O</a:t>
-            </a:r>
-            <a:r>
-              <a:rPr lang="en-US" dirty="0" smtClean="0"/>
-              <a:t>rganizational Memory</a:t>
+              <a:t>Tools for Organizational Memory</a:t>
             </a:r>
           </a:p>
           <a:p>
